--- a/fall13/slidesF13/prepcheck.11-8.pptx
+++ b/fall13/slidesF13/prepcheck.11-8.pptx
@@ -53,7 +53,7 @@
       </p:grpSpPr>
       <p:sp>
         <p:nvSpPr>
-          <p:cNvPr id="26" name="PlaceHolder 1"/>
+          <p:cNvPr id="23" name="PlaceHolder 1"/>
           <p:cNvSpPr>
             <a:spLocks noGrp="1"/>
           </p:cNvSpPr>
@@ -64,7 +64,7 @@
         <p:spPr>
           <a:xfrm>
             <a:off x="685800" y="2130480"/>
-            <a:ext cx="7772040" cy="1469880"/>
+            <a:ext cx="7771680" cy="1469880"/>
           </a:xfrm>
           <a:prstGeom prst="rect">
             <a:avLst/>
@@ -73,13 +73,14 @@
         <p:txBody>
           <a:bodyPr anchor="ctr" bIns="0" lIns="0" rIns="0" tIns="0" wrap="none"/>
           <a:p>
-            <a:endParaRPr/>
-          </a:p>
-        </p:txBody>
-      </p:sp>
-      <p:sp>
-        <p:nvSpPr>
-          <p:cNvPr id="27" name="PlaceHolder 2"/>
+            <a:pPr algn="ctr"/>
+            <a:endParaRPr/>
+          </a:p>
+        </p:txBody>
+      </p:sp>
+      <p:sp>
+        <p:nvSpPr>
+          <p:cNvPr id="24" name="PlaceHolder 2"/>
           <p:cNvSpPr>
             <a:spLocks noGrp="1"/>
           </p:cNvSpPr>
@@ -105,7 +106,7 @@
       </p:sp>
       <p:sp>
         <p:nvSpPr>
-          <p:cNvPr id="28" name="PlaceHolder 3"/>
+          <p:cNvPr id="25" name="PlaceHolder 3"/>
           <p:cNvSpPr>
             <a:spLocks noGrp="1"/>
           </p:cNvSpPr>
@@ -153,7 +154,7 @@
       </p:grpSpPr>
       <p:sp>
         <p:nvSpPr>
-          <p:cNvPr id="29" name="PlaceHolder 1"/>
+          <p:cNvPr id="26" name="PlaceHolder 1"/>
           <p:cNvSpPr>
             <a:spLocks noGrp="1"/>
           </p:cNvSpPr>
@@ -164,7 +165,7 @@
         <p:spPr>
           <a:xfrm>
             <a:off x="685800" y="2130480"/>
-            <a:ext cx="7772040" cy="1469880"/>
+            <a:ext cx="7771680" cy="1469880"/>
           </a:xfrm>
           <a:prstGeom prst="rect">
             <a:avLst/>
@@ -173,13 +174,14 @@
         <p:txBody>
           <a:bodyPr anchor="ctr" bIns="0" lIns="0" rIns="0" tIns="0" wrap="none"/>
           <a:p>
-            <a:endParaRPr/>
-          </a:p>
-        </p:txBody>
-      </p:sp>
-      <p:sp>
-        <p:nvSpPr>
-          <p:cNvPr id="30" name="PlaceHolder 2"/>
+            <a:pPr algn="ctr"/>
+            <a:endParaRPr/>
+          </a:p>
+        </p:txBody>
+      </p:sp>
+      <p:sp>
+        <p:nvSpPr>
+          <p:cNvPr id="27" name="PlaceHolder 2"/>
           <p:cNvSpPr>
             <a:spLocks noGrp="1"/>
           </p:cNvSpPr>
@@ -205,7 +207,7 @@
       </p:sp>
       <p:sp>
         <p:nvSpPr>
-          <p:cNvPr id="31" name="PlaceHolder 3"/>
+          <p:cNvPr id="28" name="PlaceHolder 3"/>
           <p:cNvSpPr>
             <a:spLocks noGrp="1"/>
           </p:cNvSpPr>
@@ -231,7 +233,7 @@
       </p:sp>
       <p:sp>
         <p:nvSpPr>
-          <p:cNvPr id="32" name="PlaceHolder 4"/>
+          <p:cNvPr id="29" name="PlaceHolder 4"/>
           <p:cNvSpPr>
             <a:spLocks noGrp="1"/>
           </p:cNvSpPr>
@@ -257,7 +259,7 @@
       </p:sp>
       <p:sp>
         <p:nvSpPr>
-          <p:cNvPr id="33" name="PlaceHolder 5"/>
+          <p:cNvPr id="30" name="PlaceHolder 5"/>
           <p:cNvSpPr>
             <a:spLocks noGrp="1"/>
           </p:cNvSpPr>
@@ -305,7 +307,7 @@
       </p:grpSpPr>
       <p:sp>
         <p:nvSpPr>
-          <p:cNvPr id="34" name="PlaceHolder 1"/>
+          <p:cNvPr id="31" name="PlaceHolder 1"/>
           <p:cNvSpPr>
             <a:spLocks noGrp="1"/>
           </p:cNvSpPr>
@@ -316,7 +318,7 @@
         <p:spPr>
           <a:xfrm>
             <a:off x="685800" y="2130480"/>
-            <a:ext cx="7772040" cy="1469880"/>
+            <a:ext cx="7771680" cy="1469880"/>
           </a:xfrm>
           <a:prstGeom prst="rect">
             <a:avLst/>
@@ -325,13 +327,14 @@
         <p:txBody>
           <a:bodyPr anchor="ctr" bIns="0" lIns="0" rIns="0" tIns="0" wrap="none"/>
           <a:p>
-            <a:endParaRPr/>
-          </a:p>
-        </p:txBody>
-      </p:sp>
-      <p:sp>
-        <p:nvSpPr>
-          <p:cNvPr id="35" name="PlaceHolder 2"/>
+            <a:pPr algn="ctr"/>
+            <a:endParaRPr/>
+          </a:p>
+        </p:txBody>
+      </p:sp>
+      <p:sp>
+        <p:nvSpPr>
+          <p:cNvPr id="32" name="PlaceHolder 2"/>
           <p:cNvSpPr>
             <a:spLocks noGrp="1"/>
           </p:cNvSpPr>
@@ -357,7 +360,7 @@
       </p:sp>
       <p:sp>
         <p:nvSpPr>
-          <p:cNvPr id="36" name="PlaceHolder 3"/>
+          <p:cNvPr id="33" name="PlaceHolder 3"/>
           <p:cNvSpPr>
             <a:spLocks noGrp="1"/>
           </p:cNvSpPr>
@@ -405,7 +408,7 @@
       </p:grpSpPr>
       <p:sp>
         <p:nvSpPr>
-          <p:cNvPr id="5" name="PlaceHolder 1"/>
+          <p:cNvPr id="2" name="PlaceHolder 1"/>
           <p:cNvSpPr>
             <a:spLocks noGrp="1"/>
           </p:cNvSpPr>
@@ -416,7 +419,7 @@
         <p:spPr>
           <a:xfrm>
             <a:off x="685800" y="2130480"/>
-            <a:ext cx="7772040" cy="1469880"/>
+            <a:ext cx="7771680" cy="1469880"/>
           </a:xfrm>
           <a:prstGeom prst="rect">
             <a:avLst/>
@@ -425,13 +428,14 @@
         <p:txBody>
           <a:bodyPr anchor="ctr" bIns="0" lIns="0" rIns="0" tIns="0" wrap="none"/>
           <a:p>
-            <a:endParaRPr/>
-          </a:p>
-        </p:txBody>
-      </p:sp>
-      <p:sp>
-        <p:nvSpPr>
-          <p:cNvPr id="6" name="PlaceHolder 2"/>
+            <a:pPr algn="ctr"/>
+            <a:endParaRPr/>
+          </a:p>
+        </p:txBody>
+      </p:sp>
+      <p:sp>
+        <p:nvSpPr>
+          <p:cNvPr id="3" name="PlaceHolder 2"/>
           <p:cNvSpPr>
             <a:spLocks noGrp="1"/>
           </p:cNvSpPr>
@@ -480,7 +484,7 @@
       </p:grpSpPr>
       <p:sp>
         <p:nvSpPr>
-          <p:cNvPr id="7" name="PlaceHolder 1"/>
+          <p:cNvPr id="4" name="PlaceHolder 1"/>
           <p:cNvSpPr>
             <a:spLocks noGrp="1"/>
           </p:cNvSpPr>
@@ -491,7 +495,7 @@
         <p:spPr>
           <a:xfrm>
             <a:off x="685800" y="2130480"/>
-            <a:ext cx="7772040" cy="1469880"/>
+            <a:ext cx="7771680" cy="1469880"/>
           </a:xfrm>
           <a:prstGeom prst="rect">
             <a:avLst/>
@@ -500,13 +504,14 @@
         <p:txBody>
           <a:bodyPr anchor="ctr" bIns="0" lIns="0" rIns="0" tIns="0" wrap="none"/>
           <a:p>
-            <a:endParaRPr/>
-          </a:p>
-        </p:txBody>
-      </p:sp>
-      <p:sp>
-        <p:nvSpPr>
-          <p:cNvPr id="8" name="PlaceHolder 2"/>
+            <a:pPr algn="ctr"/>
+            <a:endParaRPr/>
+          </a:p>
+        </p:txBody>
+      </p:sp>
+      <p:sp>
+        <p:nvSpPr>
+          <p:cNvPr id="5" name="PlaceHolder 2"/>
           <p:cNvSpPr>
             <a:spLocks noGrp="1"/>
           </p:cNvSpPr>
@@ -554,7 +559,7 @@
       </p:grpSpPr>
       <p:sp>
         <p:nvSpPr>
-          <p:cNvPr id="9" name="PlaceHolder 1"/>
+          <p:cNvPr id="6" name="PlaceHolder 1"/>
           <p:cNvSpPr>
             <a:spLocks noGrp="1"/>
           </p:cNvSpPr>
@@ -565,7 +570,7 @@
         <p:spPr>
           <a:xfrm>
             <a:off x="685800" y="2130480"/>
-            <a:ext cx="7772040" cy="1469880"/>
+            <a:ext cx="7771680" cy="1469880"/>
           </a:xfrm>
           <a:prstGeom prst="rect">
             <a:avLst/>
@@ -574,13 +579,14 @@
         <p:txBody>
           <a:bodyPr anchor="ctr" bIns="0" lIns="0" rIns="0" tIns="0" wrap="none"/>
           <a:p>
-            <a:endParaRPr/>
-          </a:p>
-        </p:txBody>
-      </p:sp>
-      <p:sp>
-        <p:nvSpPr>
-          <p:cNvPr id="10" name="PlaceHolder 2"/>
+            <a:pPr algn="ctr"/>
+            <a:endParaRPr/>
+          </a:p>
+        </p:txBody>
+      </p:sp>
+      <p:sp>
+        <p:nvSpPr>
+          <p:cNvPr id="7" name="PlaceHolder 2"/>
           <p:cNvSpPr>
             <a:spLocks noGrp="1"/>
           </p:cNvSpPr>
@@ -606,7 +612,7 @@
       </p:sp>
       <p:sp>
         <p:nvSpPr>
-          <p:cNvPr id="11" name="PlaceHolder 3"/>
+          <p:cNvPr id="8" name="PlaceHolder 3"/>
           <p:cNvSpPr>
             <a:spLocks noGrp="1"/>
           </p:cNvSpPr>
@@ -654,7 +660,7 @@
       </p:grpSpPr>
       <p:sp>
         <p:nvSpPr>
-          <p:cNvPr id="12" name="PlaceHolder 1"/>
+          <p:cNvPr id="9" name="PlaceHolder 1"/>
           <p:cNvSpPr>
             <a:spLocks noGrp="1"/>
           </p:cNvSpPr>
@@ -665,7 +671,7 @@
         <p:spPr>
           <a:xfrm>
             <a:off x="685800" y="2130480"/>
-            <a:ext cx="7772040" cy="1469880"/>
+            <a:ext cx="7771680" cy="1469880"/>
           </a:xfrm>
           <a:prstGeom prst="rect">
             <a:avLst/>
@@ -674,6 +680,7 @@
         <p:txBody>
           <a:bodyPr anchor="ctr" bIns="0" lIns="0" rIns="0" tIns="0" wrap="none"/>
           <a:p>
+            <a:pPr algn="ctr"/>
             <a:endParaRPr/>
           </a:p>
         </p:txBody>
@@ -702,7 +709,7 @@
       </p:grpSpPr>
       <p:sp>
         <p:nvSpPr>
-          <p:cNvPr id="13" name="PlaceHolder 1"/>
+          <p:cNvPr id="10" name="PlaceHolder 1"/>
           <p:cNvSpPr>
             <a:spLocks noGrp="1"/>
           </p:cNvSpPr>
@@ -713,7 +720,7 @@
         <p:spPr>
           <a:xfrm>
             <a:off x="685800" y="2130480"/>
-            <a:ext cx="7772040" cy="3450960"/>
+            <a:ext cx="7771680" cy="3450960"/>
           </a:xfrm>
           <a:prstGeom prst="rect">
             <a:avLst/>
@@ -751,7 +758,7 @@
       </p:grpSpPr>
       <p:sp>
         <p:nvSpPr>
-          <p:cNvPr id="14" name="PlaceHolder 1"/>
+          <p:cNvPr id="11" name="PlaceHolder 1"/>
           <p:cNvSpPr>
             <a:spLocks noGrp="1"/>
           </p:cNvSpPr>
@@ -762,7 +769,7 @@
         <p:spPr>
           <a:xfrm>
             <a:off x="685800" y="2130480"/>
-            <a:ext cx="7772040" cy="1469880"/>
+            <a:ext cx="7771680" cy="1469880"/>
           </a:xfrm>
           <a:prstGeom prst="rect">
             <a:avLst/>
@@ -771,13 +778,14 @@
         <p:txBody>
           <a:bodyPr anchor="ctr" bIns="0" lIns="0" rIns="0" tIns="0" wrap="none"/>
           <a:p>
-            <a:endParaRPr/>
-          </a:p>
-        </p:txBody>
-      </p:sp>
-      <p:sp>
-        <p:nvSpPr>
-          <p:cNvPr id="15" name="PlaceHolder 2"/>
+            <a:pPr algn="ctr"/>
+            <a:endParaRPr/>
+          </a:p>
+        </p:txBody>
+      </p:sp>
+      <p:sp>
+        <p:nvSpPr>
+          <p:cNvPr id="12" name="PlaceHolder 2"/>
           <p:cNvSpPr>
             <a:spLocks noGrp="1"/>
           </p:cNvSpPr>
@@ -803,7 +811,7 @@
       </p:sp>
       <p:sp>
         <p:nvSpPr>
-          <p:cNvPr id="16" name="PlaceHolder 3"/>
+          <p:cNvPr id="13" name="PlaceHolder 3"/>
           <p:cNvSpPr>
             <a:spLocks noGrp="1"/>
           </p:cNvSpPr>
@@ -829,7 +837,7 @@
       </p:sp>
       <p:sp>
         <p:nvSpPr>
-          <p:cNvPr id="17" name="PlaceHolder 4"/>
+          <p:cNvPr id="14" name="PlaceHolder 4"/>
           <p:cNvSpPr>
             <a:spLocks noGrp="1"/>
           </p:cNvSpPr>
@@ -877,7 +885,7 @@
       </p:grpSpPr>
       <p:sp>
         <p:nvSpPr>
-          <p:cNvPr id="18" name="PlaceHolder 1"/>
+          <p:cNvPr id="15" name="PlaceHolder 1"/>
           <p:cNvSpPr>
             <a:spLocks noGrp="1"/>
           </p:cNvSpPr>
@@ -888,7 +896,7 @@
         <p:spPr>
           <a:xfrm>
             <a:off x="685800" y="2130480"/>
-            <a:ext cx="7772040" cy="1469880"/>
+            <a:ext cx="7771680" cy="1469880"/>
           </a:xfrm>
           <a:prstGeom prst="rect">
             <a:avLst/>
@@ -897,13 +905,14 @@
         <p:txBody>
           <a:bodyPr anchor="ctr" bIns="0" lIns="0" rIns="0" tIns="0" wrap="none"/>
           <a:p>
-            <a:endParaRPr/>
-          </a:p>
-        </p:txBody>
-      </p:sp>
-      <p:sp>
-        <p:nvSpPr>
-          <p:cNvPr id="19" name="PlaceHolder 2"/>
+            <a:pPr algn="ctr"/>
+            <a:endParaRPr/>
+          </a:p>
+        </p:txBody>
+      </p:sp>
+      <p:sp>
+        <p:nvSpPr>
+          <p:cNvPr id="16" name="PlaceHolder 2"/>
           <p:cNvSpPr>
             <a:spLocks noGrp="1"/>
           </p:cNvSpPr>
@@ -929,7 +938,7 @@
       </p:sp>
       <p:sp>
         <p:nvSpPr>
-          <p:cNvPr id="20" name="PlaceHolder 3"/>
+          <p:cNvPr id="17" name="PlaceHolder 3"/>
           <p:cNvSpPr>
             <a:spLocks noGrp="1"/>
           </p:cNvSpPr>
@@ -955,7 +964,7 @@
       </p:sp>
       <p:sp>
         <p:nvSpPr>
-          <p:cNvPr id="21" name="PlaceHolder 4"/>
+          <p:cNvPr id="18" name="PlaceHolder 4"/>
           <p:cNvSpPr>
             <a:spLocks noGrp="1"/>
           </p:cNvSpPr>
@@ -1003,7 +1012,7 @@
       </p:grpSpPr>
       <p:sp>
         <p:nvSpPr>
-          <p:cNvPr id="22" name="PlaceHolder 1"/>
+          <p:cNvPr id="19" name="PlaceHolder 1"/>
           <p:cNvSpPr>
             <a:spLocks noGrp="1"/>
           </p:cNvSpPr>
@@ -1014,7 +1023,7 @@
         <p:spPr>
           <a:xfrm>
             <a:off x="685800" y="2130480"/>
-            <a:ext cx="7772040" cy="1469880"/>
+            <a:ext cx="7771680" cy="1469880"/>
           </a:xfrm>
           <a:prstGeom prst="rect">
             <a:avLst/>
@@ -1023,13 +1032,14 @@
         <p:txBody>
           <a:bodyPr anchor="ctr" bIns="0" lIns="0" rIns="0" tIns="0" wrap="none"/>
           <a:p>
-            <a:endParaRPr/>
-          </a:p>
-        </p:txBody>
-      </p:sp>
-      <p:sp>
-        <p:nvSpPr>
-          <p:cNvPr id="23" name="PlaceHolder 2"/>
+            <a:pPr algn="ctr"/>
+            <a:endParaRPr/>
+          </a:p>
+        </p:txBody>
+      </p:sp>
+      <p:sp>
+        <p:nvSpPr>
+          <p:cNvPr id="20" name="PlaceHolder 2"/>
           <p:cNvSpPr>
             <a:spLocks noGrp="1"/>
           </p:cNvSpPr>
@@ -1055,7 +1065,7 @@
       </p:sp>
       <p:sp>
         <p:nvSpPr>
-          <p:cNvPr id="24" name="PlaceHolder 3"/>
+          <p:cNvPr id="21" name="PlaceHolder 3"/>
           <p:cNvSpPr>
             <a:spLocks noGrp="1"/>
           </p:cNvSpPr>
@@ -1081,7 +1091,7 @@
       </p:sp>
       <p:sp>
         <p:nvSpPr>
-          <p:cNvPr id="25" name="PlaceHolder 4"/>
+          <p:cNvPr id="22" name="PlaceHolder 4"/>
           <p:cNvSpPr>
             <a:spLocks noGrp="1"/>
           </p:cNvSpPr>
@@ -1147,28 +1157,18 @@
         <p:spPr>
           <a:xfrm>
             <a:off x="685800" y="2130480"/>
-            <a:ext cx="7772040" cy="1469520"/>
-          </a:xfrm>
-          <a:prstGeom prst="rect">
-            <a:avLst/>
-          </a:prstGeom>
-        </p:spPr>
-        <p:txBody>
-          <a:bodyPr anchor="ctr"/>
-          <a:p>
-            <a:pPr algn="ctr">
-              <a:lnSpc>
-                <a:spcPct val="100000"/>
-              </a:lnSpc>
-            </a:pPr>
-            <a:r>
-              <a:rPr lang="en-US" sz="4400">
-                <a:solidFill>
-                  <a:srgbClr val="000000"/>
-                </a:solidFill>
-                <a:latin typeface="Calibri"/>
-              </a:rPr>
-              <a:t>Click to edit the title text formatClick to edit Master title style</a:t>
+            <a:ext cx="7771680" cy="1469520"/>
+          </a:xfrm>
+          <a:prstGeom prst="rect">
+            <a:avLst/>
+          </a:prstGeom>
+        </p:spPr>
+        <p:txBody>
+          <a:bodyPr anchor="ctr" bIns="0" lIns="0" rIns="0" tIns="0" wrap="none"/>
+          <a:p>
+            <a:r>
+              <a:rPr lang="en-US"/>
+              <a:t>Click to edit the title text format</a:t>
             </a:r>
             <a:endParaRPr/>
           </a:p>
@@ -1177,112 +1177,6 @@
       <p:sp>
         <p:nvSpPr>
           <p:cNvPr id="1" name="PlaceHolder 2"/>
-          <p:cNvSpPr>
-            <a:spLocks noGrp="1"/>
-          </p:cNvSpPr>
-          <p:nvPr>
-            <p:ph type="dt"/>
-          </p:nvPr>
-        </p:nvSpPr>
-        <p:spPr>
-          <a:xfrm>
-            <a:off x="0" y="0"/>
-            <a:ext cx="-11796840" cy="-11796840"/>
-          </a:xfrm>
-          <a:prstGeom prst="rect">
-            <a:avLst/>
-          </a:prstGeom>
-        </p:spPr>
-        <p:txBody>
-          <a:bodyPr bIns="45000" lIns="90000" rIns="90000" tIns="45000"/>
-          <a:p>
-            <a:pPr>
-              <a:lnSpc>
-                <a:spcPct val="100000"/>
-              </a:lnSpc>
-            </a:pPr>
-            <a:r>
-              <a:rPr lang="en-US">
-                <a:solidFill>
-                  <a:srgbClr val="000000"/>
-                </a:solidFill>
-                <a:latin typeface="Calibri"/>
-              </a:rPr>
-              <a:t>11/5/13</a:t>
-            </a:r>
-            <a:endParaRPr/>
-          </a:p>
-        </p:txBody>
-      </p:sp>
-      <p:sp>
-        <p:nvSpPr>
-          <p:cNvPr id="2" name="PlaceHolder 3"/>
-          <p:cNvSpPr>
-            <a:spLocks noGrp="1"/>
-          </p:cNvSpPr>
-          <p:nvPr>
-            <p:ph type="ftr"/>
-          </p:nvPr>
-        </p:nvSpPr>
-        <p:spPr>
-          <a:xfrm>
-            <a:off x="0" y="0"/>
-            <a:ext cx="-11796840" cy="-11796840"/>
-          </a:xfrm>
-          <a:prstGeom prst="rect">
-            <a:avLst/>
-          </a:prstGeom>
-        </p:spPr>
-        <p:txBody>
-          <a:bodyPr bIns="45000" lIns="90000" rIns="90000" tIns="45000"/>
-          <a:p>
-            <a:endParaRPr/>
-          </a:p>
-        </p:txBody>
-      </p:sp>
-      <p:sp>
-        <p:nvSpPr>
-          <p:cNvPr id="3" name="PlaceHolder 4"/>
-          <p:cNvSpPr>
-            <a:spLocks noGrp="1"/>
-          </p:cNvSpPr>
-          <p:nvPr>
-            <p:ph type="sldNum"/>
-          </p:nvPr>
-        </p:nvSpPr>
-        <p:spPr>
-          <a:xfrm>
-            <a:off x="0" y="0"/>
-            <a:ext cx="-11796840" cy="-11796840"/>
-          </a:xfrm>
-          <a:prstGeom prst="rect">
-            <a:avLst/>
-          </a:prstGeom>
-        </p:spPr>
-        <p:txBody>
-          <a:bodyPr bIns="45000" lIns="90000" rIns="90000" tIns="45000"/>
-          <a:p>
-            <a:pPr>
-              <a:lnSpc>
-                <a:spcPct val="100000"/>
-              </a:lnSpc>
-            </a:pPr>
-            <a:fld id="{F1C191B1-1171-41B1-A121-5111C1E1A121}" type="slidenum">
-              <a:rPr lang="en-US">
-                <a:solidFill>
-                  <a:srgbClr val="000000"/>
-                </a:solidFill>
-                <a:latin typeface="Calibri"/>
-              </a:rPr>
-              <a:t>&lt;number&gt;</a:t>
-            </a:fld>
-            <a:endParaRPr/>
-          </a:p>
-        </p:txBody>
-      </p:sp>
-      <p:sp>
-        <p:nvSpPr>
-          <p:cNvPr id="4" name="PlaceHolder 5"/>
           <p:cNvSpPr>
             <a:spLocks noGrp="1"/>
           </p:cNvSpPr>
@@ -1433,14 +1327,14 @@
       </p:grpSpPr>
       <p:sp>
         <p:nvSpPr>
-          <p:cNvPr id="37" name="CustomShape 1"/>
+          <p:cNvPr id="34" name="CustomShape 1"/>
           <p:cNvSpPr/>
           <p:nvPr/>
         </p:nvSpPr>
         <p:spPr>
           <a:xfrm>
             <a:off x="1651320" y="182880"/>
-            <a:ext cx="5937480" cy="699840"/>
+            <a:ext cx="5937120" cy="699480"/>
           </a:xfrm>
           <a:prstGeom prst="rect">
             <a:avLst/>
@@ -1469,14 +1363,14 @@
       </p:sp>
       <p:sp>
         <p:nvSpPr>
-          <p:cNvPr id="38" name="CustomShape 2"/>
+          <p:cNvPr id="35" name="CustomShape 2"/>
           <p:cNvSpPr/>
           <p:nvPr/>
         </p:nvSpPr>
         <p:spPr>
           <a:xfrm>
             <a:off x="306360" y="1554480"/>
-            <a:ext cx="8372520" cy="3502440"/>
+            <a:ext cx="8372160" cy="3502080"/>
           </a:xfrm>
           <a:prstGeom prst="rect">
             <a:avLst/>
@@ -1567,7 +1461,7 @@
                 </a:solidFill>
                 <a:latin typeface="Comic Sans MS"/>
               </a:rPr>
-              <a:t>2. How many 5-card hands contain a</a:t>
+              <a:t>2. The mapping of 3 distinct digits 0-9</a:t>
             </a:r>
             <a:endParaRPr/>
           </a:p>
@@ -1584,16 +1478,17 @@
                 </a:solidFill>
                 <a:latin typeface="Comic Sans MS"/>
               </a:rPr>
-              <a:t>Four-of-a-Kind (four cards with the same</a:t>
-            </a:r>
-            <a:endParaRPr/>
-          </a:p>
-          <a:p>
-            <a:pPr>
-              <a:lnSpc>
-                <a:spcPct val="100000"/>
-              </a:lnSpc>
-            </a:pPr>
+              <a:t>to the set of those 3 digits is </a:t>
+            </a:r>
+            <a:r>
+              <a:rPr lang="en-US" sz="3200">
+                <a:solidFill>
+                  <a:srgbClr val="0000ff"/>
+                </a:solidFill>
+                <a:latin typeface="Comic Sans MS"/>
+              </a:rPr>
+              <a:t>n-to-1</a:t>
+            </a:r>
             <a:r>
               <a:rPr lang="en-US" sz="3200">
                 <a:solidFill>
@@ -1601,7 +1496,59 @@
                 </a:solidFill>
                 <a:latin typeface="Comic Sans MS"/>
               </a:rPr>
-              <a:t>rank)?</a:t>
+              <a:t> for</a:t>
+            </a:r>
+            <a:endParaRPr/>
+          </a:p>
+          <a:p>
+            <a:pPr>
+              <a:lnSpc>
+                <a:spcPct val="100000"/>
+              </a:lnSpc>
+            </a:pPr>
+            <a:r>
+              <a:rPr lang="en-US" sz="3200">
+                <a:solidFill>
+                  <a:srgbClr val="000000"/>
+                </a:solidFill>
+                <a:latin typeface="Comic Sans MS"/>
+              </a:rPr>
+              <a:t>what </a:t>
+            </a:r>
+            <a:r>
+              <a:rPr lang="en-US" sz="3200">
+                <a:solidFill>
+                  <a:srgbClr val="0000ff"/>
+                </a:solidFill>
+                <a:latin typeface="Comic Sans MS"/>
+              </a:rPr>
+              <a:t>n</a:t>
+            </a:r>
+            <a:r>
+              <a:rPr lang="en-US" sz="3200">
+                <a:solidFill>
+                  <a:srgbClr val="000000"/>
+                </a:solidFill>
+                <a:latin typeface="Comic Sans MS"/>
+              </a:rPr>
+              <a:t>? For example, (0, 9, 2) maps to</a:t>
+            </a:r>
+            <a:endParaRPr/>
+          </a:p>
+          <a:p>
+            <a:pPr>
+              <a:lnSpc>
+                <a:spcPct val="100000"/>
+              </a:lnSpc>
+            </a:pPr>
+            <a:r>
+              <a:rPr lang="en-US" sz="3200">
+                <a:solidFill>
+                  <a:srgbClr val="000000"/>
+                </a:solidFill>
+                <a:latin typeface="Comic Sans MS"/>
+              </a:rPr>
+              <a:t>{0, 9, 2}. </a:t>
             </a:r>
             <a:endParaRPr/>
           </a:p>
